--- a/INTEGRASI COSO ITIL COBIT 2019 SIAP BPK_ok.pptx
+++ b/INTEGRASI COSO ITIL COBIT 2019 SIAP BPK_ok.pptx
@@ -6754,14 +6754,29 @@
             <p:ph type="title"/>
           </p:nvPr>
         </p:nvSpPr>
-        <p:spPr/>
+        <p:spPr>
+          <a:xfrm>
+            <a:off x="231547" y="685801"/>
+            <a:ext cx="4830647" cy="1151965"/>
+          </a:xfrm>
+        </p:spPr>
         <p:txBody>
           <a:bodyPr/>
           <a:lstStyle/>
           <a:p>
             <a:r>
-              <a:t>Latar Belakang</a:t>
-            </a:r>
+              <a:rPr dirty="0" err="1"/>
+              <a:t>Latar</a:t>
+            </a:r>
+            <a:r>
+              <a:rPr dirty="0"/>
+              <a:t> </a:t>
+            </a:r>
+            <a:r>
+              <a:rPr dirty="0" err="1"/>
+              <a:t>Belakang</a:t>
+            </a:r>
+            <a:endParaRPr dirty="0"/>
           </a:p>
         </p:txBody>
       </p:sp>
@@ -6775,11 +6790,23 @@
             <p:ph idx="1"/>
           </p:nvPr>
         </p:nvSpPr>
-        <p:spPr/>
-        <p:txBody>
-          <a:bodyPr/>
+        <p:spPr>
+          <a:xfrm>
+            <a:off x="231548" y="1958934"/>
+            <a:ext cx="4566696" cy="3311189"/>
+          </a:xfrm>
+        </p:spPr>
+        <p:txBody>
+          <a:bodyPr>
+            <a:normAutofit/>
+          </a:bodyPr>
           <a:lstStyle/>
           <a:p>
+            <a:pPr>
+              <a:spcBef>
+                <a:spcPts val="600"/>
+              </a:spcBef>
+            </a:pPr>
             <a:r>
               <a:rPr dirty="0" err="1" smtClean="0"/>
               <a:t>SiAP</a:t>
@@ -6810,6 +6837,11 @@
             </a:r>
           </a:p>
           <a:p>
+            <a:pPr>
+              <a:spcBef>
+                <a:spcPts val="600"/>
+              </a:spcBef>
+            </a:pPr>
             <a:r>
               <a:rPr dirty="0" err="1" smtClean="0"/>
               <a:t>Digitalisasi</a:t>
@@ -6860,6 +6892,11 @@
             </a:r>
           </a:p>
           <a:p>
+            <a:pPr>
+              <a:spcBef>
+                <a:spcPts val="600"/>
+              </a:spcBef>
+            </a:pPr>
             <a:r>
               <a:rPr dirty="0" err="1" smtClean="0"/>
               <a:t>Risiko</a:t>
@@ -6890,6 +6927,11 @@
             </a:r>
           </a:p>
           <a:p>
+            <a:pPr>
+              <a:spcBef>
+                <a:spcPts val="600"/>
+              </a:spcBef>
+            </a:pPr>
             <a:r>
               <a:rPr dirty="0" err="1" smtClean="0"/>
               <a:t>Dibutuhkan</a:t>
@@ -6922,6 +6964,36 @@
           </a:p>
         </p:txBody>
       </p:sp>
+      <p:pic>
+        <p:nvPicPr>
+          <p:cNvPr id="4" name="Picture 3"/>
+          <p:cNvPicPr>
+            <a:picLocks noChangeAspect="1"/>
+          </p:cNvPicPr>
+          <p:nvPr/>
+        </p:nvPicPr>
+        <p:blipFill>
+          <a:blip r:embed="rId2">
+            <a:extLst>
+              <a:ext uri="{28A0092B-C50C-407E-A947-70E740481C1C}">
+                <a14:useLocalDpi xmlns:a14="http://schemas.microsoft.com/office/drawing/2010/main" val="0"/>
+              </a:ext>
+            </a:extLst>
+          </a:blip>
+          <a:stretch>
+            <a:fillRect/>
+          </a:stretch>
+        </p:blipFill>
+        <p:spPr>
+          <a:xfrm>
+            <a:off x="4798244" y="685801"/>
+            <a:ext cx="3855563" cy="4688784"/>
+          </a:xfrm>
+          <a:prstGeom prst="rect">
+            <a:avLst/>
+          </a:prstGeom>
+        </p:spPr>
+      </p:pic>
     </p:spTree>
   </p:cSld>
   <p:clrMapOvr>
